--- a/Project3_RENT_Pitch.pptx
+++ b/Project3_RENT_Pitch.pptx
@@ -1329,6 +1329,55 @@
           </a:p>
         </p:txBody>
       </p:sp>
+      <p:pic>
+        <p:nvPicPr>
+          <p:cNvPr id="13" name="Picture 12"/>
+          <p:cNvPicPr>
+            <a:picLocks noChangeAspect="1"/>
+          </p:cNvPicPr>
+          <p:nvPr/>
+        </p:nvPicPr>
+        <p:blipFill rotWithShape="1">
+          <a:blip r:embed="rId2"/>
+          <a:srcRect l="3028" t="7275" r="5712" b="10710"/>
+          <a:stretch/>
+        </p:blipFill>
+        <p:spPr>
+          <a:xfrm>
+            <a:off x="9422410" y="457200"/>
+            <a:ext cx="2007590" cy="1948543"/>
+          </a:xfrm>
+          <a:prstGeom prst="roundRect">
+            <a:avLst>
+              <a:gd name="adj" fmla="val 4167"/>
+            </a:avLst>
+          </a:prstGeom>
+          <a:solidFill>
+            <a:srgbClr val="FFFFFF"/>
+          </a:solidFill>
+          <a:ln w="76200" cap="sq">
+            <a:solidFill>
+              <a:srgbClr val="292929"/>
+            </a:solidFill>
+            <a:miter lim="800000"/>
+          </a:ln>
+          <a:effectLst>
+            <a:reflection blurRad="12700" stA="28000" endPos="28000" dist="5000" dir="5400000" sy="-100000" algn="bl" rotWithShape="0"/>
+          </a:effectLst>
+          <a:scene3d>
+            <a:camera prst="orthographicFront"/>
+            <a:lightRig rig="threePt" dir="t">
+              <a:rot lat="0" lon="0" rev="2700000"/>
+            </a:lightRig>
+          </a:scene3d>
+          <a:sp3d>
+            <a:bevelT h="38100"/>
+            <a:contourClr>
+              <a:srgbClr val="C0C0C0"/>
+            </a:contourClr>
+          </a:sp3d>
+        </p:spPr>
+      </p:pic>
     </p:spTree>
     <p:extLst>
       <p:ext uri="{BB962C8B-B14F-4D97-AF65-F5344CB8AC3E}">
